--- a/resources/Viblo.pptx
+++ b/resources/Viblo.pptx
@@ -10,6 +10,7 @@
     <p:sldId id="258" r:id="rId4"/>
     <p:sldId id="259" r:id="rId5"/>
     <p:sldId id="260" r:id="rId6"/>
+    <p:sldId id="261" r:id="rId7"/>
   </p:sldIdLst>
   <p:sldSz cx="12192000" cy="6858000"/>
   <p:notesSz cx="6858000" cy="9144000"/>
@@ -247,7 +248,7 @@
           <a:p>
             <a:fld id="{2D27F11A-03E7-4016-A9CD-3059474722D4}" type="datetimeFigureOut">
               <a:rPr lang="en-US" smtClean="0"/>
-              <a:t>11/7/2021</a:t>
+              <a:t>11/25/2021</a:t>
             </a:fld>
             <a:endParaRPr lang="en-US"/>
           </a:p>
@@ -417,7 +418,7 @@
           <a:p>
             <a:fld id="{2D27F11A-03E7-4016-A9CD-3059474722D4}" type="datetimeFigureOut">
               <a:rPr lang="en-US" smtClean="0"/>
-              <a:t>11/7/2021</a:t>
+              <a:t>11/25/2021</a:t>
             </a:fld>
             <a:endParaRPr lang="en-US"/>
           </a:p>
@@ -597,7 +598,7 @@
           <a:p>
             <a:fld id="{2D27F11A-03E7-4016-A9CD-3059474722D4}" type="datetimeFigureOut">
               <a:rPr lang="en-US" smtClean="0"/>
-              <a:t>11/7/2021</a:t>
+              <a:t>11/25/2021</a:t>
             </a:fld>
             <a:endParaRPr lang="en-US"/>
           </a:p>
@@ -767,7 +768,7 @@
           <a:p>
             <a:fld id="{2D27F11A-03E7-4016-A9CD-3059474722D4}" type="datetimeFigureOut">
               <a:rPr lang="en-US" smtClean="0"/>
-              <a:t>11/7/2021</a:t>
+              <a:t>11/25/2021</a:t>
             </a:fld>
             <a:endParaRPr lang="en-US"/>
           </a:p>
@@ -1013,7 +1014,7 @@
           <a:p>
             <a:fld id="{2D27F11A-03E7-4016-A9CD-3059474722D4}" type="datetimeFigureOut">
               <a:rPr lang="en-US" smtClean="0"/>
-              <a:t>11/7/2021</a:t>
+              <a:t>11/25/2021</a:t>
             </a:fld>
             <a:endParaRPr lang="en-US"/>
           </a:p>
@@ -1245,7 +1246,7 @@
           <a:p>
             <a:fld id="{2D27F11A-03E7-4016-A9CD-3059474722D4}" type="datetimeFigureOut">
               <a:rPr lang="en-US" smtClean="0"/>
-              <a:t>11/7/2021</a:t>
+              <a:t>11/25/2021</a:t>
             </a:fld>
             <a:endParaRPr lang="en-US"/>
           </a:p>
@@ -1612,7 +1613,7 @@
           <a:p>
             <a:fld id="{2D27F11A-03E7-4016-A9CD-3059474722D4}" type="datetimeFigureOut">
               <a:rPr lang="en-US" smtClean="0"/>
-              <a:t>11/7/2021</a:t>
+              <a:t>11/25/2021</a:t>
             </a:fld>
             <a:endParaRPr lang="en-US"/>
           </a:p>
@@ -1730,7 +1731,7 @@
           <a:p>
             <a:fld id="{2D27F11A-03E7-4016-A9CD-3059474722D4}" type="datetimeFigureOut">
               <a:rPr lang="en-US" smtClean="0"/>
-              <a:t>11/7/2021</a:t>
+              <a:t>11/25/2021</a:t>
             </a:fld>
             <a:endParaRPr lang="en-US"/>
           </a:p>
@@ -1825,7 +1826,7 @@
           <a:p>
             <a:fld id="{2D27F11A-03E7-4016-A9CD-3059474722D4}" type="datetimeFigureOut">
               <a:rPr lang="en-US" smtClean="0"/>
-              <a:t>11/7/2021</a:t>
+              <a:t>11/25/2021</a:t>
             </a:fld>
             <a:endParaRPr lang="en-US"/>
           </a:p>
@@ -2102,7 +2103,7 @@
           <a:p>
             <a:fld id="{2D27F11A-03E7-4016-A9CD-3059474722D4}" type="datetimeFigureOut">
               <a:rPr lang="en-US" smtClean="0"/>
-              <a:t>11/7/2021</a:t>
+              <a:t>11/25/2021</a:t>
             </a:fld>
             <a:endParaRPr lang="en-US"/>
           </a:p>
@@ -2355,7 +2356,7 @@
           <a:p>
             <a:fld id="{2D27F11A-03E7-4016-A9CD-3059474722D4}" type="datetimeFigureOut">
               <a:rPr lang="en-US" smtClean="0"/>
-              <a:t>11/7/2021</a:t>
+              <a:t>11/25/2021</a:t>
             </a:fld>
             <a:endParaRPr lang="en-US"/>
           </a:p>
@@ -2568,7 +2569,7 @@
           <a:p>
             <a:fld id="{2D27F11A-03E7-4016-A9CD-3059474722D4}" type="datetimeFigureOut">
               <a:rPr lang="en-US" smtClean="0"/>
-              <a:t>11/7/2021</a:t>
+              <a:t>11/25/2021</a:t>
             </a:fld>
             <a:endParaRPr lang="en-US"/>
           </a:p>
@@ -5030,6 +5031,101 @@
 </p:sld>
 </file>
 
+<file path=ppt/slides/slide6.xml><?xml version="1.0" encoding="utf-8"?>
+<p:sld xmlns:a="http://schemas.openxmlformats.org/drawingml/2006/main" xmlns:r="http://schemas.openxmlformats.org/officeDocument/2006/relationships" xmlns:p="http://schemas.openxmlformats.org/presentationml/2006/main">
+  <p:cSld>
+    <p:spTree>
+      <p:nvGrpSpPr>
+        <p:cNvPr id="1" name=""/>
+        <p:cNvGrpSpPr/>
+        <p:nvPr/>
+      </p:nvGrpSpPr>
+      <p:grpSpPr>
+        <a:xfrm>
+          <a:off x="0" y="0"/>
+          <a:ext cx="0" cy="0"/>
+          <a:chOff x="0" y="0"/>
+          <a:chExt cx="0" cy="0"/>
+        </a:xfrm>
+      </p:grpSpPr>
+      <p:pic>
+        <p:nvPicPr>
+          <p:cNvPr id="3" name="Picture 2"/>
+          <p:cNvPicPr>
+            <a:picLocks noChangeAspect="1"/>
+          </p:cNvPicPr>
+          <p:nvPr/>
+        </p:nvPicPr>
+        <p:blipFill>
+          <a:blip r:embed="rId2"/>
+          <a:stretch>
+            <a:fillRect/>
+          </a:stretch>
+        </p:blipFill>
+        <p:spPr>
+          <a:xfrm>
+            <a:off x="1631950" y="1290635"/>
+            <a:ext cx="4762500" cy="4200525"/>
+          </a:xfrm>
+          <a:prstGeom prst="rect">
+            <a:avLst/>
+          </a:prstGeom>
+        </p:spPr>
+      </p:pic>
+      <p:pic>
+        <p:nvPicPr>
+          <p:cNvPr id="2054" name="Picture 6" descr="Java logo and symbol, meaning, history, PNG"/>
+          <p:cNvPicPr>
+            <a:picLocks noChangeAspect="1" noChangeArrowheads="1"/>
+          </p:cNvPicPr>
+          <p:nvPr/>
+        </p:nvPicPr>
+        <p:blipFill>
+          <a:blip r:embed="rId3" cstate="print">
+            <a:extLst>
+              <a:ext uri="{28A0092B-C50C-407E-A947-70E740481C1C}">
+                <a14:useLocalDpi xmlns:a14="http://schemas.microsoft.com/office/drawing/2010/main" val="0"/>
+              </a:ext>
+            </a:extLst>
+          </a:blip>
+          <a:srcRect/>
+          <a:stretch>
+            <a:fillRect/>
+          </a:stretch>
+        </p:blipFill>
+        <p:spPr bwMode="auto">
+          <a:xfrm>
+            <a:off x="6696076" y="2349500"/>
+            <a:ext cx="2560321" cy="1600200"/>
+          </a:xfrm>
+          <a:prstGeom prst="rect">
+            <a:avLst/>
+          </a:prstGeom>
+          <a:noFill/>
+          <a:extLst>
+            <a:ext uri="{909E8E84-426E-40DD-AFC4-6F175D3DCCD1}">
+              <a14:hiddenFill xmlns:a14="http://schemas.microsoft.com/office/drawing/2010/main">
+                <a:solidFill>
+                  <a:srgbClr val="FFFFFF"/>
+                </a:solidFill>
+              </a14:hiddenFill>
+            </a:ext>
+          </a:extLst>
+        </p:spPr>
+      </p:pic>
+    </p:spTree>
+    <p:extLst>
+      <p:ext uri="{BB962C8B-B14F-4D97-AF65-F5344CB8AC3E}">
+        <p14:creationId xmlns:p14="http://schemas.microsoft.com/office/powerpoint/2010/main" val="1114319209"/>
+      </p:ext>
+    </p:extLst>
+  </p:cSld>
+  <p:clrMapOvr>
+    <a:masterClrMapping/>
+  </p:clrMapOvr>
+</p:sld>
+</file>
+
 <file path=ppt/theme/theme1.xml><?xml version="1.0" encoding="utf-8"?>
 <a:theme xmlns:a="http://schemas.openxmlformats.org/drawingml/2006/main" name="Office Theme">
   <a:themeElements>

--- a/resources/Viblo.pptx
+++ b/resources/Viblo.pptx
@@ -11,6 +11,7 @@
     <p:sldId id="259" r:id="rId5"/>
     <p:sldId id="260" r:id="rId6"/>
     <p:sldId id="261" r:id="rId7"/>
+    <p:sldId id="262" r:id="rId8"/>
   </p:sldIdLst>
   <p:sldSz cx="12192000" cy="6858000"/>
   <p:notesSz cx="6858000" cy="9144000"/>
@@ -248,7 +249,7 @@
           <a:p>
             <a:fld id="{2D27F11A-03E7-4016-A9CD-3059474722D4}" type="datetimeFigureOut">
               <a:rPr lang="en-US" smtClean="0"/>
-              <a:t>11/25/2021</a:t>
+              <a:t>1/16/2022</a:t>
             </a:fld>
             <a:endParaRPr lang="en-US"/>
           </a:p>
@@ -418,7 +419,7 @@
           <a:p>
             <a:fld id="{2D27F11A-03E7-4016-A9CD-3059474722D4}" type="datetimeFigureOut">
               <a:rPr lang="en-US" smtClean="0"/>
-              <a:t>11/25/2021</a:t>
+              <a:t>1/16/2022</a:t>
             </a:fld>
             <a:endParaRPr lang="en-US"/>
           </a:p>
@@ -598,7 +599,7 @@
           <a:p>
             <a:fld id="{2D27F11A-03E7-4016-A9CD-3059474722D4}" type="datetimeFigureOut">
               <a:rPr lang="en-US" smtClean="0"/>
-              <a:t>11/25/2021</a:t>
+              <a:t>1/16/2022</a:t>
             </a:fld>
             <a:endParaRPr lang="en-US"/>
           </a:p>
@@ -768,7 +769,7 @@
           <a:p>
             <a:fld id="{2D27F11A-03E7-4016-A9CD-3059474722D4}" type="datetimeFigureOut">
               <a:rPr lang="en-US" smtClean="0"/>
-              <a:t>11/25/2021</a:t>
+              <a:t>1/16/2022</a:t>
             </a:fld>
             <a:endParaRPr lang="en-US"/>
           </a:p>
@@ -1014,7 +1015,7 @@
           <a:p>
             <a:fld id="{2D27F11A-03E7-4016-A9CD-3059474722D4}" type="datetimeFigureOut">
               <a:rPr lang="en-US" smtClean="0"/>
-              <a:t>11/25/2021</a:t>
+              <a:t>1/16/2022</a:t>
             </a:fld>
             <a:endParaRPr lang="en-US"/>
           </a:p>
@@ -1246,7 +1247,7 @@
           <a:p>
             <a:fld id="{2D27F11A-03E7-4016-A9CD-3059474722D4}" type="datetimeFigureOut">
               <a:rPr lang="en-US" smtClean="0"/>
-              <a:t>11/25/2021</a:t>
+              <a:t>1/16/2022</a:t>
             </a:fld>
             <a:endParaRPr lang="en-US"/>
           </a:p>
@@ -1613,7 +1614,7 @@
           <a:p>
             <a:fld id="{2D27F11A-03E7-4016-A9CD-3059474722D4}" type="datetimeFigureOut">
               <a:rPr lang="en-US" smtClean="0"/>
-              <a:t>11/25/2021</a:t>
+              <a:t>1/16/2022</a:t>
             </a:fld>
             <a:endParaRPr lang="en-US"/>
           </a:p>
@@ -1731,7 +1732,7 @@
           <a:p>
             <a:fld id="{2D27F11A-03E7-4016-A9CD-3059474722D4}" type="datetimeFigureOut">
               <a:rPr lang="en-US" smtClean="0"/>
-              <a:t>11/25/2021</a:t>
+              <a:t>1/16/2022</a:t>
             </a:fld>
             <a:endParaRPr lang="en-US"/>
           </a:p>
@@ -1826,7 +1827,7 @@
           <a:p>
             <a:fld id="{2D27F11A-03E7-4016-A9CD-3059474722D4}" type="datetimeFigureOut">
               <a:rPr lang="en-US" smtClean="0"/>
-              <a:t>11/25/2021</a:t>
+              <a:t>1/16/2022</a:t>
             </a:fld>
             <a:endParaRPr lang="en-US"/>
           </a:p>
@@ -2103,7 +2104,7 @@
           <a:p>
             <a:fld id="{2D27F11A-03E7-4016-A9CD-3059474722D4}" type="datetimeFigureOut">
               <a:rPr lang="en-US" smtClean="0"/>
-              <a:t>11/25/2021</a:t>
+              <a:t>1/16/2022</a:t>
             </a:fld>
             <a:endParaRPr lang="en-US"/>
           </a:p>
@@ -2356,7 +2357,7 @@
           <a:p>
             <a:fld id="{2D27F11A-03E7-4016-A9CD-3059474722D4}" type="datetimeFigureOut">
               <a:rPr lang="en-US" smtClean="0"/>
-              <a:t>11/25/2021</a:t>
+              <a:t>1/16/2022</a:t>
             </a:fld>
             <a:endParaRPr lang="en-US"/>
           </a:p>
@@ -2569,7 +2570,7 @@
           <a:p>
             <a:fld id="{2D27F11A-03E7-4016-A9CD-3059474722D4}" type="datetimeFigureOut">
               <a:rPr lang="en-US" smtClean="0"/>
-              <a:t>11/25/2021</a:t>
+              <a:t>1/16/2022</a:t>
             </a:fld>
             <a:endParaRPr lang="en-US"/>
           </a:p>
@@ -5126,6 +5127,1611 @@
 </p:sld>
 </file>
 
+<file path=ppt/slides/slide7.xml><?xml version="1.0" encoding="utf-8"?>
+<p:sld xmlns:a="http://schemas.openxmlformats.org/drawingml/2006/main" xmlns:r="http://schemas.openxmlformats.org/officeDocument/2006/relationships" xmlns:p="http://schemas.openxmlformats.org/presentationml/2006/main">
+  <p:cSld>
+    <p:spTree>
+      <p:nvGrpSpPr>
+        <p:cNvPr id="1" name=""/>
+        <p:cNvGrpSpPr/>
+        <p:nvPr/>
+      </p:nvGrpSpPr>
+      <p:grpSpPr>
+        <a:xfrm>
+          <a:off x="0" y="0"/>
+          <a:ext cx="0" cy="0"/>
+          <a:chOff x="0" y="0"/>
+          <a:chExt cx="0" cy="0"/>
+        </a:xfrm>
+      </p:grpSpPr>
+      <p:sp>
+        <p:nvSpPr>
+          <p:cNvPr id="2" name="Oval 1"/>
+          <p:cNvSpPr/>
+          <p:nvPr/>
+        </p:nvSpPr>
+        <p:spPr>
+          <a:xfrm>
+            <a:off x="2933700" y="533400"/>
+            <a:ext cx="317500" cy="317500"/>
+          </a:xfrm>
+          <a:prstGeom prst="ellipse">
+            <a:avLst/>
+          </a:prstGeom>
+        </p:spPr>
+        <p:style>
+          <a:lnRef idx="1">
+            <a:schemeClr val="accent2"/>
+          </a:lnRef>
+          <a:fillRef idx="3">
+            <a:schemeClr val="accent2"/>
+          </a:fillRef>
+          <a:effectRef idx="2">
+            <a:schemeClr val="accent2"/>
+          </a:effectRef>
+          <a:fontRef idx="minor">
+            <a:schemeClr val="lt1"/>
+          </a:fontRef>
+        </p:style>
+        <p:txBody>
+          <a:bodyPr rtlCol="0" anchor="ctr"/>
+          <a:lstStyle/>
+          <a:p>
+            <a:pPr algn="ctr"/>
+            <a:r>
+              <a:rPr lang="en-US"/>
+              <a:t>2</a:t>
+            </a:r>
+            <a:endParaRPr lang="en-US" smtClean="0"/>
+          </a:p>
+        </p:txBody>
+      </p:sp>
+      <p:sp>
+        <p:nvSpPr>
+          <p:cNvPr id="3" name="Oval 2"/>
+          <p:cNvSpPr/>
+          <p:nvPr/>
+        </p:nvSpPr>
+        <p:spPr>
+          <a:xfrm>
+            <a:off x="1536700" y="533400"/>
+            <a:ext cx="317500" cy="317500"/>
+          </a:xfrm>
+          <a:prstGeom prst="ellipse">
+            <a:avLst/>
+          </a:prstGeom>
+        </p:spPr>
+        <p:style>
+          <a:lnRef idx="1">
+            <a:schemeClr val="accent2"/>
+          </a:lnRef>
+          <a:fillRef idx="3">
+            <a:schemeClr val="accent2"/>
+          </a:fillRef>
+          <a:effectRef idx="2">
+            <a:schemeClr val="accent2"/>
+          </a:effectRef>
+          <a:fontRef idx="minor">
+            <a:schemeClr val="lt1"/>
+          </a:fontRef>
+        </p:style>
+        <p:txBody>
+          <a:bodyPr rtlCol="0" anchor="ctr"/>
+          <a:lstStyle/>
+          <a:p>
+            <a:pPr algn="ctr"/>
+            <a:r>
+              <a:rPr lang="en-US" smtClean="0"/>
+              <a:t>1</a:t>
+            </a:r>
+          </a:p>
+        </p:txBody>
+      </p:sp>
+      <p:sp>
+        <p:nvSpPr>
+          <p:cNvPr id="4" name="Oval 3"/>
+          <p:cNvSpPr/>
+          <p:nvPr/>
+        </p:nvSpPr>
+        <p:spPr>
+          <a:xfrm>
+            <a:off x="1536700" y="1892300"/>
+            <a:ext cx="317500" cy="317500"/>
+          </a:xfrm>
+          <a:prstGeom prst="ellipse">
+            <a:avLst/>
+          </a:prstGeom>
+        </p:spPr>
+        <p:style>
+          <a:lnRef idx="1">
+            <a:schemeClr val="accent2"/>
+          </a:lnRef>
+          <a:fillRef idx="3">
+            <a:schemeClr val="accent2"/>
+          </a:fillRef>
+          <a:effectRef idx="2">
+            <a:schemeClr val="accent2"/>
+          </a:effectRef>
+          <a:fontRef idx="minor">
+            <a:schemeClr val="lt1"/>
+          </a:fontRef>
+        </p:style>
+        <p:txBody>
+          <a:bodyPr rtlCol="0" anchor="ctr"/>
+          <a:lstStyle/>
+          <a:p>
+            <a:pPr algn="ctr"/>
+            <a:r>
+              <a:rPr lang="en-US" smtClean="0"/>
+              <a:t>3</a:t>
+            </a:r>
+          </a:p>
+        </p:txBody>
+      </p:sp>
+      <p:sp>
+        <p:nvSpPr>
+          <p:cNvPr id="5" name="Oval 4"/>
+          <p:cNvSpPr/>
+          <p:nvPr/>
+        </p:nvSpPr>
+        <p:spPr>
+          <a:xfrm>
+            <a:off x="2933700" y="1892300"/>
+            <a:ext cx="317500" cy="317500"/>
+          </a:xfrm>
+          <a:prstGeom prst="ellipse">
+            <a:avLst/>
+          </a:prstGeom>
+        </p:spPr>
+        <p:style>
+          <a:lnRef idx="1">
+            <a:schemeClr val="accent2"/>
+          </a:lnRef>
+          <a:fillRef idx="3">
+            <a:schemeClr val="accent2"/>
+          </a:fillRef>
+          <a:effectRef idx="2">
+            <a:schemeClr val="accent2"/>
+          </a:effectRef>
+          <a:fontRef idx="minor">
+            <a:schemeClr val="lt1"/>
+          </a:fontRef>
+        </p:style>
+        <p:txBody>
+          <a:bodyPr rtlCol="0" anchor="ctr"/>
+          <a:lstStyle/>
+          <a:p>
+            <a:pPr algn="ctr"/>
+            <a:r>
+              <a:rPr lang="en-US"/>
+              <a:t>4</a:t>
+            </a:r>
+            <a:endParaRPr lang="en-US" smtClean="0"/>
+          </a:p>
+        </p:txBody>
+      </p:sp>
+      <p:cxnSp>
+        <p:nvCxnSpPr>
+          <p:cNvPr id="8" name="Straight Arrow Connector 7"/>
+          <p:cNvCxnSpPr>
+            <a:stCxn id="3" idx="6"/>
+            <a:endCxn id="2" idx="2"/>
+          </p:cNvCxnSpPr>
+          <p:nvPr/>
+        </p:nvCxnSpPr>
+        <p:spPr>
+          <a:xfrm>
+            <a:off x="1854200" y="692150"/>
+            <a:ext cx="1079500" cy="0"/>
+          </a:xfrm>
+          <a:prstGeom prst="straightConnector1">
+            <a:avLst/>
+          </a:prstGeom>
+          <a:ln>
+            <a:headEnd type="triangle"/>
+            <a:tailEnd type="triangle"/>
+          </a:ln>
+        </p:spPr>
+        <p:style>
+          <a:lnRef idx="1">
+            <a:schemeClr val="accent1"/>
+          </a:lnRef>
+          <a:fillRef idx="0">
+            <a:schemeClr val="accent1"/>
+          </a:fillRef>
+          <a:effectRef idx="0">
+            <a:schemeClr val="accent1"/>
+          </a:effectRef>
+          <a:fontRef idx="minor">
+            <a:schemeClr val="tx1"/>
+          </a:fontRef>
+        </p:style>
+      </p:cxnSp>
+      <p:cxnSp>
+        <p:nvCxnSpPr>
+          <p:cNvPr id="9" name="Straight Arrow Connector 8"/>
+          <p:cNvCxnSpPr/>
+          <p:nvPr/>
+        </p:nvCxnSpPr>
+        <p:spPr>
+          <a:xfrm>
+            <a:off x="1854200" y="2051050"/>
+            <a:ext cx="1079500" cy="0"/>
+          </a:xfrm>
+          <a:prstGeom prst="straightConnector1">
+            <a:avLst/>
+          </a:prstGeom>
+          <a:ln>
+            <a:headEnd type="triangle"/>
+            <a:tailEnd type="triangle"/>
+          </a:ln>
+        </p:spPr>
+        <p:style>
+          <a:lnRef idx="1">
+            <a:schemeClr val="accent1"/>
+          </a:lnRef>
+          <a:fillRef idx="0">
+            <a:schemeClr val="accent1"/>
+          </a:fillRef>
+          <a:effectRef idx="0">
+            <a:schemeClr val="accent1"/>
+          </a:effectRef>
+          <a:fontRef idx="minor">
+            <a:schemeClr val="tx1"/>
+          </a:fontRef>
+        </p:style>
+      </p:cxnSp>
+      <p:cxnSp>
+        <p:nvCxnSpPr>
+          <p:cNvPr id="11" name="Straight Arrow Connector 10"/>
+          <p:cNvCxnSpPr>
+            <a:stCxn id="3" idx="4"/>
+            <a:endCxn id="4" idx="0"/>
+          </p:cNvCxnSpPr>
+          <p:nvPr/>
+        </p:nvCxnSpPr>
+        <p:spPr>
+          <a:xfrm>
+            <a:off x="1695450" y="850900"/>
+            <a:ext cx="0" cy="1041400"/>
+          </a:xfrm>
+          <a:prstGeom prst="straightConnector1">
+            <a:avLst/>
+          </a:prstGeom>
+          <a:ln>
+            <a:headEnd type="triangle"/>
+            <a:tailEnd type="triangle"/>
+          </a:ln>
+        </p:spPr>
+        <p:style>
+          <a:lnRef idx="1">
+            <a:schemeClr val="accent1"/>
+          </a:lnRef>
+          <a:fillRef idx="0">
+            <a:schemeClr val="accent1"/>
+          </a:fillRef>
+          <a:effectRef idx="0">
+            <a:schemeClr val="accent1"/>
+          </a:effectRef>
+          <a:fontRef idx="minor">
+            <a:schemeClr val="tx1"/>
+          </a:fontRef>
+        </p:style>
+      </p:cxnSp>
+      <p:cxnSp>
+        <p:nvCxnSpPr>
+          <p:cNvPr id="13" name="Straight Arrow Connector 12"/>
+          <p:cNvCxnSpPr>
+            <a:stCxn id="2" idx="4"/>
+            <a:endCxn id="5" idx="0"/>
+          </p:cNvCxnSpPr>
+          <p:nvPr/>
+        </p:nvCxnSpPr>
+        <p:spPr>
+          <a:xfrm>
+            <a:off x="3092450" y="850900"/>
+            <a:ext cx="0" cy="1041400"/>
+          </a:xfrm>
+          <a:prstGeom prst="straightConnector1">
+            <a:avLst/>
+          </a:prstGeom>
+          <a:ln>
+            <a:headEnd type="triangle"/>
+            <a:tailEnd type="triangle"/>
+          </a:ln>
+        </p:spPr>
+        <p:style>
+          <a:lnRef idx="1">
+            <a:schemeClr val="accent1"/>
+          </a:lnRef>
+          <a:fillRef idx="0">
+            <a:schemeClr val="accent1"/>
+          </a:fillRef>
+          <a:effectRef idx="0">
+            <a:schemeClr val="accent1"/>
+          </a:effectRef>
+          <a:fontRef idx="minor">
+            <a:schemeClr val="tx1"/>
+          </a:fontRef>
+        </p:style>
+      </p:cxnSp>
+      <p:cxnSp>
+        <p:nvCxnSpPr>
+          <p:cNvPr id="15" name="Straight Arrow Connector 14"/>
+          <p:cNvCxnSpPr>
+            <a:stCxn id="3" idx="5"/>
+            <a:endCxn id="5" idx="1"/>
+          </p:cNvCxnSpPr>
+          <p:nvPr/>
+        </p:nvCxnSpPr>
+        <p:spPr>
+          <a:xfrm>
+            <a:off x="1807703" y="804403"/>
+            <a:ext cx="1172494" cy="1134394"/>
+          </a:xfrm>
+          <a:prstGeom prst="straightConnector1">
+            <a:avLst/>
+          </a:prstGeom>
+          <a:ln>
+            <a:headEnd type="triangle"/>
+            <a:tailEnd type="triangle"/>
+          </a:ln>
+        </p:spPr>
+        <p:style>
+          <a:lnRef idx="1">
+            <a:schemeClr val="accent1"/>
+          </a:lnRef>
+          <a:fillRef idx="0">
+            <a:schemeClr val="accent1"/>
+          </a:fillRef>
+          <a:effectRef idx="0">
+            <a:schemeClr val="accent1"/>
+          </a:effectRef>
+          <a:fontRef idx="minor">
+            <a:schemeClr val="tx1"/>
+          </a:fontRef>
+        </p:style>
+      </p:cxnSp>
+      <p:cxnSp>
+        <p:nvCxnSpPr>
+          <p:cNvPr id="17" name="Straight Arrow Connector 16"/>
+          <p:cNvCxnSpPr>
+            <a:stCxn id="2" idx="3"/>
+            <a:endCxn id="4" idx="7"/>
+          </p:cNvCxnSpPr>
+          <p:nvPr/>
+        </p:nvCxnSpPr>
+        <p:spPr>
+          <a:xfrm flipH="1">
+            <a:off x="1807703" y="804403"/>
+            <a:ext cx="1172494" cy="1134394"/>
+          </a:xfrm>
+          <a:prstGeom prst="straightConnector1">
+            <a:avLst/>
+          </a:prstGeom>
+          <a:ln>
+            <a:headEnd type="triangle"/>
+            <a:tailEnd type="triangle"/>
+          </a:ln>
+        </p:spPr>
+        <p:style>
+          <a:lnRef idx="1">
+            <a:schemeClr val="accent1"/>
+          </a:lnRef>
+          <a:fillRef idx="0">
+            <a:schemeClr val="accent1"/>
+          </a:fillRef>
+          <a:effectRef idx="0">
+            <a:schemeClr val="accent1"/>
+          </a:effectRef>
+          <a:fontRef idx="minor">
+            <a:schemeClr val="tx1"/>
+          </a:fontRef>
+        </p:style>
+      </p:cxnSp>
+      <p:sp>
+        <p:nvSpPr>
+          <p:cNvPr id="18" name="Oval 17"/>
+          <p:cNvSpPr/>
+          <p:nvPr/>
+        </p:nvSpPr>
+        <p:spPr>
+          <a:xfrm>
+            <a:off x="6064251" y="533400"/>
+            <a:ext cx="317500" cy="317500"/>
+          </a:xfrm>
+          <a:prstGeom prst="ellipse">
+            <a:avLst/>
+          </a:prstGeom>
+        </p:spPr>
+        <p:style>
+          <a:lnRef idx="1">
+            <a:schemeClr val="accent2"/>
+          </a:lnRef>
+          <a:fillRef idx="3">
+            <a:schemeClr val="accent2"/>
+          </a:fillRef>
+          <a:effectRef idx="2">
+            <a:schemeClr val="accent2"/>
+          </a:effectRef>
+          <a:fontRef idx="minor">
+            <a:schemeClr val="lt1"/>
+          </a:fontRef>
+        </p:style>
+        <p:txBody>
+          <a:bodyPr rtlCol="0" anchor="ctr"/>
+          <a:lstStyle/>
+          <a:p>
+            <a:pPr algn="ctr"/>
+            <a:r>
+              <a:rPr lang="en-US" smtClean="0"/>
+              <a:t>2</a:t>
+            </a:r>
+          </a:p>
+        </p:txBody>
+      </p:sp>
+      <p:sp>
+        <p:nvSpPr>
+          <p:cNvPr id="19" name="Oval 18"/>
+          <p:cNvSpPr/>
+          <p:nvPr/>
+        </p:nvSpPr>
+        <p:spPr>
+          <a:xfrm>
+            <a:off x="4667251" y="533400"/>
+            <a:ext cx="317500" cy="317500"/>
+          </a:xfrm>
+          <a:prstGeom prst="ellipse">
+            <a:avLst/>
+          </a:prstGeom>
+        </p:spPr>
+        <p:style>
+          <a:lnRef idx="1">
+            <a:schemeClr val="accent2"/>
+          </a:lnRef>
+          <a:fillRef idx="3">
+            <a:schemeClr val="accent2"/>
+          </a:fillRef>
+          <a:effectRef idx="2">
+            <a:schemeClr val="accent2"/>
+          </a:effectRef>
+          <a:fontRef idx="minor">
+            <a:schemeClr val="lt1"/>
+          </a:fontRef>
+        </p:style>
+        <p:txBody>
+          <a:bodyPr rtlCol="0" anchor="ctr"/>
+          <a:lstStyle/>
+          <a:p>
+            <a:pPr algn="ctr"/>
+            <a:r>
+              <a:rPr lang="en-US" smtClean="0"/>
+              <a:t>1</a:t>
+            </a:r>
+          </a:p>
+        </p:txBody>
+      </p:sp>
+      <p:sp>
+        <p:nvSpPr>
+          <p:cNvPr id="20" name="Oval 19"/>
+          <p:cNvSpPr/>
+          <p:nvPr/>
+        </p:nvSpPr>
+        <p:spPr>
+          <a:xfrm>
+            <a:off x="4667251" y="1892300"/>
+            <a:ext cx="317500" cy="317500"/>
+          </a:xfrm>
+          <a:prstGeom prst="ellipse">
+            <a:avLst/>
+          </a:prstGeom>
+        </p:spPr>
+        <p:style>
+          <a:lnRef idx="1">
+            <a:schemeClr val="accent2"/>
+          </a:lnRef>
+          <a:fillRef idx="3">
+            <a:schemeClr val="accent2"/>
+          </a:fillRef>
+          <a:effectRef idx="2">
+            <a:schemeClr val="accent2"/>
+          </a:effectRef>
+          <a:fontRef idx="minor">
+            <a:schemeClr val="lt1"/>
+          </a:fontRef>
+        </p:style>
+        <p:txBody>
+          <a:bodyPr rtlCol="0" anchor="ctr"/>
+          <a:lstStyle/>
+          <a:p>
+            <a:pPr algn="ctr"/>
+            <a:r>
+              <a:rPr lang="en-US" smtClean="0"/>
+              <a:t>3</a:t>
+            </a:r>
+          </a:p>
+        </p:txBody>
+      </p:sp>
+      <p:sp>
+        <p:nvSpPr>
+          <p:cNvPr id="21" name="Oval 20"/>
+          <p:cNvSpPr/>
+          <p:nvPr/>
+        </p:nvSpPr>
+        <p:spPr>
+          <a:xfrm>
+            <a:off x="6064251" y="1892300"/>
+            <a:ext cx="317500" cy="317500"/>
+          </a:xfrm>
+          <a:prstGeom prst="ellipse">
+            <a:avLst/>
+          </a:prstGeom>
+        </p:spPr>
+        <p:style>
+          <a:lnRef idx="1">
+            <a:schemeClr val="accent3"/>
+          </a:lnRef>
+          <a:fillRef idx="3">
+            <a:schemeClr val="accent3"/>
+          </a:fillRef>
+          <a:effectRef idx="2">
+            <a:schemeClr val="accent3"/>
+          </a:effectRef>
+          <a:fontRef idx="minor">
+            <a:schemeClr val="lt1"/>
+          </a:fontRef>
+        </p:style>
+        <p:txBody>
+          <a:bodyPr rtlCol="0" anchor="ctr"/>
+          <a:lstStyle/>
+          <a:p>
+            <a:pPr algn="ctr"/>
+            <a:r>
+              <a:rPr lang="en-US"/>
+              <a:t>4</a:t>
+            </a:r>
+            <a:endParaRPr lang="en-US" smtClean="0"/>
+          </a:p>
+        </p:txBody>
+      </p:sp>
+      <p:cxnSp>
+        <p:nvCxnSpPr>
+          <p:cNvPr id="22" name="Straight Arrow Connector 21"/>
+          <p:cNvCxnSpPr>
+            <a:stCxn id="19" idx="6"/>
+            <a:endCxn id="18" idx="2"/>
+          </p:cNvCxnSpPr>
+          <p:nvPr/>
+        </p:nvCxnSpPr>
+        <p:spPr>
+          <a:xfrm>
+            <a:off x="4984751" y="692150"/>
+            <a:ext cx="1079500" cy="0"/>
+          </a:xfrm>
+          <a:prstGeom prst="straightConnector1">
+            <a:avLst/>
+          </a:prstGeom>
+          <a:ln>
+            <a:solidFill>
+              <a:schemeClr val="bg2"/>
+            </a:solidFill>
+            <a:headEnd type="triangle"/>
+            <a:tailEnd type="triangle"/>
+          </a:ln>
+        </p:spPr>
+        <p:style>
+          <a:lnRef idx="1">
+            <a:schemeClr val="accent1"/>
+          </a:lnRef>
+          <a:fillRef idx="0">
+            <a:schemeClr val="accent1"/>
+          </a:fillRef>
+          <a:effectRef idx="0">
+            <a:schemeClr val="accent1"/>
+          </a:effectRef>
+          <a:fontRef idx="minor">
+            <a:schemeClr val="tx1"/>
+          </a:fontRef>
+        </p:style>
+      </p:cxnSp>
+      <p:cxnSp>
+        <p:nvCxnSpPr>
+          <p:cNvPr id="23" name="Straight Arrow Connector 22"/>
+          <p:cNvCxnSpPr/>
+          <p:nvPr/>
+        </p:nvCxnSpPr>
+        <p:spPr>
+          <a:xfrm>
+            <a:off x="4984751" y="2051050"/>
+            <a:ext cx="1079500" cy="0"/>
+          </a:xfrm>
+          <a:prstGeom prst="straightConnector1">
+            <a:avLst/>
+          </a:prstGeom>
+          <a:ln>
+            <a:solidFill>
+              <a:srgbClr val="FF0000"/>
+            </a:solidFill>
+            <a:headEnd type="triangle"/>
+            <a:tailEnd type="triangle"/>
+          </a:ln>
+        </p:spPr>
+        <p:style>
+          <a:lnRef idx="1">
+            <a:schemeClr val="accent1"/>
+          </a:lnRef>
+          <a:fillRef idx="0">
+            <a:schemeClr val="accent1"/>
+          </a:fillRef>
+          <a:effectRef idx="0">
+            <a:schemeClr val="accent1"/>
+          </a:effectRef>
+          <a:fontRef idx="minor">
+            <a:schemeClr val="tx1"/>
+          </a:fontRef>
+        </p:style>
+      </p:cxnSp>
+      <p:cxnSp>
+        <p:nvCxnSpPr>
+          <p:cNvPr id="24" name="Straight Arrow Connector 23"/>
+          <p:cNvCxnSpPr>
+            <a:stCxn id="19" idx="4"/>
+            <a:endCxn id="20" idx="0"/>
+          </p:cNvCxnSpPr>
+          <p:nvPr/>
+        </p:nvCxnSpPr>
+        <p:spPr>
+          <a:xfrm>
+            <a:off x="4826001" y="850900"/>
+            <a:ext cx="0" cy="1041400"/>
+          </a:xfrm>
+          <a:prstGeom prst="straightConnector1">
+            <a:avLst/>
+          </a:prstGeom>
+          <a:ln>
+            <a:solidFill>
+              <a:schemeClr val="bg2"/>
+            </a:solidFill>
+            <a:headEnd type="triangle"/>
+            <a:tailEnd type="triangle"/>
+          </a:ln>
+        </p:spPr>
+        <p:style>
+          <a:lnRef idx="1">
+            <a:schemeClr val="accent1"/>
+          </a:lnRef>
+          <a:fillRef idx="0">
+            <a:schemeClr val="accent1"/>
+          </a:fillRef>
+          <a:effectRef idx="0">
+            <a:schemeClr val="accent1"/>
+          </a:effectRef>
+          <a:fontRef idx="minor">
+            <a:schemeClr val="tx1"/>
+          </a:fontRef>
+        </p:style>
+      </p:cxnSp>
+      <p:cxnSp>
+        <p:nvCxnSpPr>
+          <p:cNvPr id="25" name="Straight Arrow Connector 24"/>
+          <p:cNvCxnSpPr>
+            <a:stCxn id="18" idx="4"/>
+            <a:endCxn id="21" idx="0"/>
+          </p:cNvCxnSpPr>
+          <p:nvPr/>
+        </p:nvCxnSpPr>
+        <p:spPr>
+          <a:xfrm>
+            <a:off x="6223001" y="850900"/>
+            <a:ext cx="0" cy="1041400"/>
+          </a:xfrm>
+          <a:prstGeom prst="straightConnector1">
+            <a:avLst/>
+          </a:prstGeom>
+          <a:ln>
+            <a:solidFill>
+              <a:srgbClr val="FF0000"/>
+            </a:solidFill>
+            <a:headEnd type="triangle"/>
+            <a:tailEnd type="triangle"/>
+          </a:ln>
+        </p:spPr>
+        <p:style>
+          <a:lnRef idx="1">
+            <a:schemeClr val="accent1"/>
+          </a:lnRef>
+          <a:fillRef idx="0">
+            <a:schemeClr val="accent1"/>
+          </a:fillRef>
+          <a:effectRef idx="0">
+            <a:schemeClr val="accent1"/>
+          </a:effectRef>
+          <a:fontRef idx="minor">
+            <a:schemeClr val="tx1"/>
+          </a:fontRef>
+        </p:style>
+      </p:cxnSp>
+      <p:cxnSp>
+        <p:nvCxnSpPr>
+          <p:cNvPr id="26" name="Straight Arrow Connector 25"/>
+          <p:cNvCxnSpPr>
+            <a:stCxn id="19" idx="5"/>
+            <a:endCxn id="21" idx="1"/>
+          </p:cNvCxnSpPr>
+          <p:nvPr/>
+        </p:nvCxnSpPr>
+        <p:spPr>
+          <a:xfrm>
+            <a:off x="4938254" y="804403"/>
+            <a:ext cx="1172494" cy="1134394"/>
+          </a:xfrm>
+          <a:prstGeom prst="straightConnector1">
+            <a:avLst/>
+          </a:prstGeom>
+          <a:ln>
+            <a:solidFill>
+              <a:srgbClr val="FF0000"/>
+            </a:solidFill>
+            <a:headEnd type="triangle"/>
+            <a:tailEnd type="triangle"/>
+          </a:ln>
+        </p:spPr>
+        <p:style>
+          <a:lnRef idx="1">
+            <a:schemeClr val="accent1"/>
+          </a:lnRef>
+          <a:fillRef idx="0">
+            <a:schemeClr val="accent1"/>
+          </a:fillRef>
+          <a:effectRef idx="0">
+            <a:schemeClr val="accent1"/>
+          </a:effectRef>
+          <a:fontRef idx="minor">
+            <a:schemeClr val="tx1"/>
+          </a:fontRef>
+        </p:style>
+      </p:cxnSp>
+      <p:cxnSp>
+        <p:nvCxnSpPr>
+          <p:cNvPr id="27" name="Straight Arrow Connector 26"/>
+          <p:cNvCxnSpPr>
+            <a:stCxn id="18" idx="3"/>
+            <a:endCxn id="20" idx="7"/>
+          </p:cNvCxnSpPr>
+          <p:nvPr/>
+        </p:nvCxnSpPr>
+        <p:spPr>
+          <a:xfrm flipH="1">
+            <a:off x="4938254" y="804403"/>
+            <a:ext cx="1172494" cy="1134394"/>
+          </a:xfrm>
+          <a:prstGeom prst="straightConnector1">
+            <a:avLst/>
+          </a:prstGeom>
+          <a:ln>
+            <a:solidFill>
+              <a:schemeClr val="bg2"/>
+            </a:solidFill>
+            <a:headEnd type="triangle"/>
+            <a:tailEnd type="triangle"/>
+          </a:ln>
+        </p:spPr>
+        <p:style>
+          <a:lnRef idx="1">
+            <a:schemeClr val="accent1"/>
+          </a:lnRef>
+          <a:fillRef idx="0">
+            <a:schemeClr val="accent1"/>
+          </a:fillRef>
+          <a:effectRef idx="0">
+            <a:schemeClr val="accent1"/>
+          </a:effectRef>
+          <a:fontRef idx="minor">
+            <a:schemeClr val="tx1"/>
+          </a:fontRef>
+        </p:style>
+      </p:cxnSp>
+      <p:sp>
+        <p:nvSpPr>
+          <p:cNvPr id="70" name="Oval 69"/>
+          <p:cNvSpPr/>
+          <p:nvPr/>
+        </p:nvSpPr>
+        <p:spPr>
+          <a:xfrm>
+            <a:off x="2946400" y="3810000"/>
+            <a:ext cx="317500" cy="317500"/>
+          </a:xfrm>
+          <a:prstGeom prst="ellipse">
+            <a:avLst/>
+          </a:prstGeom>
+        </p:spPr>
+        <p:style>
+          <a:lnRef idx="1">
+            <a:schemeClr val="accent2"/>
+          </a:lnRef>
+          <a:fillRef idx="3">
+            <a:schemeClr val="accent2"/>
+          </a:fillRef>
+          <a:effectRef idx="2">
+            <a:schemeClr val="accent2"/>
+          </a:effectRef>
+          <a:fontRef idx="minor">
+            <a:schemeClr val="lt1"/>
+          </a:fontRef>
+        </p:style>
+        <p:txBody>
+          <a:bodyPr rtlCol="0" anchor="ctr"/>
+          <a:lstStyle/>
+          <a:p>
+            <a:pPr algn="ctr"/>
+            <a:r>
+              <a:rPr lang="en-US"/>
+              <a:t>2</a:t>
+            </a:r>
+            <a:endParaRPr lang="en-US" smtClean="0"/>
+          </a:p>
+        </p:txBody>
+      </p:sp>
+      <p:sp>
+        <p:nvSpPr>
+          <p:cNvPr id="71" name="Oval 70"/>
+          <p:cNvSpPr/>
+          <p:nvPr/>
+        </p:nvSpPr>
+        <p:spPr>
+          <a:xfrm>
+            <a:off x="1549400" y="3810000"/>
+            <a:ext cx="317500" cy="317500"/>
+          </a:xfrm>
+          <a:prstGeom prst="ellipse">
+            <a:avLst/>
+          </a:prstGeom>
+        </p:spPr>
+        <p:style>
+          <a:lnRef idx="1">
+            <a:schemeClr val="accent2"/>
+          </a:lnRef>
+          <a:fillRef idx="3">
+            <a:schemeClr val="accent2"/>
+          </a:fillRef>
+          <a:effectRef idx="2">
+            <a:schemeClr val="accent2"/>
+          </a:effectRef>
+          <a:fontRef idx="minor">
+            <a:schemeClr val="lt1"/>
+          </a:fontRef>
+        </p:style>
+        <p:txBody>
+          <a:bodyPr rtlCol="0" anchor="ctr"/>
+          <a:lstStyle/>
+          <a:p>
+            <a:pPr algn="ctr"/>
+            <a:r>
+              <a:rPr lang="en-US" smtClean="0"/>
+              <a:t>1</a:t>
+            </a:r>
+          </a:p>
+        </p:txBody>
+      </p:sp>
+      <p:sp>
+        <p:nvSpPr>
+          <p:cNvPr id="72" name="Oval 71"/>
+          <p:cNvSpPr/>
+          <p:nvPr/>
+        </p:nvSpPr>
+        <p:spPr>
+          <a:xfrm>
+            <a:off x="1549400" y="5168900"/>
+            <a:ext cx="317500" cy="317500"/>
+          </a:xfrm>
+          <a:prstGeom prst="ellipse">
+            <a:avLst/>
+          </a:prstGeom>
+        </p:spPr>
+        <p:style>
+          <a:lnRef idx="1">
+            <a:schemeClr val="accent2"/>
+          </a:lnRef>
+          <a:fillRef idx="3">
+            <a:schemeClr val="accent2"/>
+          </a:fillRef>
+          <a:effectRef idx="2">
+            <a:schemeClr val="accent2"/>
+          </a:effectRef>
+          <a:fontRef idx="minor">
+            <a:schemeClr val="lt1"/>
+          </a:fontRef>
+        </p:style>
+        <p:txBody>
+          <a:bodyPr rtlCol="0" anchor="ctr"/>
+          <a:lstStyle/>
+          <a:p>
+            <a:pPr algn="ctr"/>
+            <a:r>
+              <a:rPr lang="en-US" smtClean="0"/>
+              <a:t>3</a:t>
+            </a:r>
+          </a:p>
+        </p:txBody>
+      </p:sp>
+      <p:sp>
+        <p:nvSpPr>
+          <p:cNvPr id="73" name="Oval 72"/>
+          <p:cNvSpPr/>
+          <p:nvPr/>
+        </p:nvSpPr>
+        <p:spPr>
+          <a:xfrm>
+            <a:off x="2946400" y="5168900"/>
+            <a:ext cx="317500" cy="317500"/>
+          </a:xfrm>
+          <a:prstGeom prst="ellipse">
+            <a:avLst/>
+          </a:prstGeom>
+        </p:spPr>
+        <p:style>
+          <a:lnRef idx="1">
+            <a:schemeClr val="accent2"/>
+          </a:lnRef>
+          <a:fillRef idx="3">
+            <a:schemeClr val="accent2"/>
+          </a:fillRef>
+          <a:effectRef idx="2">
+            <a:schemeClr val="accent2"/>
+          </a:effectRef>
+          <a:fontRef idx="minor">
+            <a:schemeClr val="lt1"/>
+          </a:fontRef>
+        </p:style>
+        <p:txBody>
+          <a:bodyPr rtlCol="0" anchor="ctr"/>
+          <a:lstStyle/>
+          <a:p>
+            <a:pPr algn="ctr"/>
+            <a:r>
+              <a:rPr lang="en-US"/>
+              <a:t>4</a:t>
+            </a:r>
+            <a:endParaRPr lang="en-US" smtClean="0"/>
+          </a:p>
+        </p:txBody>
+      </p:sp>
+      <p:sp>
+        <p:nvSpPr>
+          <p:cNvPr id="90" name="Rectangle 89"/>
+          <p:cNvSpPr/>
+          <p:nvPr/>
+        </p:nvSpPr>
+        <p:spPr>
+          <a:xfrm>
+            <a:off x="1993900" y="4508500"/>
+            <a:ext cx="812800" cy="266700"/>
+          </a:xfrm>
+          <a:prstGeom prst="rect">
+            <a:avLst/>
+          </a:prstGeom>
+        </p:spPr>
+        <p:style>
+          <a:lnRef idx="2">
+            <a:schemeClr val="accent6">
+              <a:shade val="50000"/>
+            </a:schemeClr>
+          </a:lnRef>
+          <a:fillRef idx="1">
+            <a:schemeClr val="accent6"/>
+          </a:fillRef>
+          <a:effectRef idx="0">
+            <a:schemeClr val="accent6"/>
+          </a:effectRef>
+          <a:fontRef idx="minor">
+            <a:schemeClr val="lt1"/>
+          </a:fontRef>
+        </p:style>
+        <p:txBody>
+          <a:bodyPr rtlCol="0" anchor="ctr"/>
+          <a:lstStyle/>
+          <a:p>
+            <a:pPr algn="ctr"/>
+            <a:r>
+              <a:rPr lang="en-US" smtClean="0"/>
+              <a:t>mq</a:t>
+            </a:r>
+            <a:endParaRPr lang="en-US"/>
+          </a:p>
+        </p:txBody>
+      </p:sp>
+      <p:cxnSp>
+        <p:nvCxnSpPr>
+          <p:cNvPr id="92" name="Straight Arrow Connector 91"/>
+          <p:cNvCxnSpPr>
+            <a:stCxn id="71" idx="5"/>
+          </p:cNvCxnSpPr>
+          <p:nvPr/>
+        </p:nvCxnSpPr>
+        <p:spPr>
+          <a:xfrm>
+            <a:off x="1820403" y="4081003"/>
+            <a:ext cx="173497" cy="427497"/>
+          </a:xfrm>
+          <a:prstGeom prst="straightConnector1">
+            <a:avLst/>
+          </a:prstGeom>
+          <a:ln>
+            <a:headEnd type="triangle"/>
+            <a:tailEnd type="triangle"/>
+          </a:ln>
+        </p:spPr>
+        <p:style>
+          <a:lnRef idx="1">
+            <a:schemeClr val="accent1"/>
+          </a:lnRef>
+          <a:fillRef idx="0">
+            <a:schemeClr val="accent1"/>
+          </a:fillRef>
+          <a:effectRef idx="0">
+            <a:schemeClr val="accent1"/>
+          </a:effectRef>
+          <a:fontRef idx="minor">
+            <a:schemeClr val="tx1"/>
+          </a:fontRef>
+        </p:style>
+      </p:cxnSp>
+      <p:cxnSp>
+        <p:nvCxnSpPr>
+          <p:cNvPr id="94" name="Straight Arrow Connector 93"/>
+          <p:cNvCxnSpPr>
+            <a:endCxn id="70" idx="3"/>
+          </p:cNvCxnSpPr>
+          <p:nvPr/>
+        </p:nvCxnSpPr>
+        <p:spPr>
+          <a:xfrm flipV="1">
+            <a:off x="2806700" y="4081003"/>
+            <a:ext cx="186197" cy="427497"/>
+          </a:xfrm>
+          <a:prstGeom prst="straightConnector1">
+            <a:avLst/>
+          </a:prstGeom>
+          <a:ln>
+            <a:headEnd type="triangle"/>
+            <a:tailEnd type="triangle"/>
+          </a:ln>
+        </p:spPr>
+        <p:style>
+          <a:lnRef idx="1">
+            <a:schemeClr val="accent1"/>
+          </a:lnRef>
+          <a:fillRef idx="0">
+            <a:schemeClr val="accent1"/>
+          </a:fillRef>
+          <a:effectRef idx="0">
+            <a:schemeClr val="accent1"/>
+          </a:effectRef>
+          <a:fontRef idx="minor">
+            <a:schemeClr val="tx1"/>
+          </a:fontRef>
+        </p:style>
+      </p:cxnSp>
+      <p:cxnSp>
+        <p:nvCxnSpPr>
+          <p:cNvPr id="100" name="Straight Arrow Connector 99"/>
+          <p:cNvCxnSpPr>
+            <a:stCxn id="72" idx="7"/>
+          </p:cNvCxnSpPr>
+          <p:nvPr/>
+        </p:nvCxnSpPr>
+        <p:spPr>
+          <a:xfrm flipV="1">
+            <a:off x="1820403" y="4775200"/>
+            <a:ext cx="173497" cy="440197"/>
+          </a:xfrm>
+          <a:prstGeom prst="straightConnector1">
+            <a:avLst/>
+          </a:prstGeom>
+          <a:ln>
+            <a:headEnd type="triangle"/>
+            <a:tailEnd type="triangle"/>
+          </a:ln>
+        </p:spPr>
+        <p:style>
+          <a:lnRef idx="1">
+            <a:schemeClr val="accent1"/>
+          </a:lnRef>
+          <a:fillRef idx="0">
+            <a:schemeClr val="accent1"/>
+          </a:fillRef>
+          <a:effectRef idx="0">
+            <a:schemeClr val="accent1"/>
+          </a:effectRef>
+          <a:fontRef idx="minor">
+            <a:schemeClr val="tx1"/>
+          </a:fontRef>
+        </p:style>
+      </p:cxnSp>
+      <p:cxnSp>
+        <p:nvCxnSpPr>
+          <p:cNvPr id="102" name="Straight Arrow Connector 101"/>
+          <p:cNvCxnSpPr>
+            <a:stCxn id="73" idx="1"/>
+          </p:cNvCxnSpPr>
+          <p:nvPr/>
+        </p:nvCxnSpPr>
+        <p:spPr>
+          <a:xfrm flipH="1" flipV="1">
+            <a:off x="2834147" y="4787900"/>
+            <a:ext cx="158750" cy="427497"/>
+          </a:xfrm>
+          <a:prstGeom prst="straightConnector1">
+            <a:avLst/>
+          </a:prstGeom>
+          <a:ln>
+            <a:headEnd type="triangle"/>
+            <a:tailEnd type="triangle"/>
+          </a:ln>
+        </p:spPr>
+        <p:style>
+          <a:lnRef idx="1">
+            <a:schemeClr val="accent1"/>
+          </a:lnRef>
+          <a:fillRef idx="0">
+            <a:schemeClr val="accent1"/>
+          </a:fillRef>
+          <a:effectRef idx="0">
+            <a:schemeClr val="accent1"/>
+          </a:effectRef>
+          <a:fontRef idx="minor">
+            <a:schemeClr val="tx1"/>
+          </a:fontRef>
+        </p:style>
+      </p:cxnSp>
+      <p:sp>
+        <p:nvSpPr>
+          <p:cNvPr id="112" name="Oval 111"/>
+          <p:cNvSpPr/>
+          <p:nvPr/>
+        </p:nvSpPr>
+        <p:spPr>
+          <a:xfrm>
+            <a:off x="6174249" y="3810000"/>
+            <a:ext cx="317500" cy="317500"/>
+          </a:xfrm>
+          <a:prstGeom prst="ellipse">
+            <a:avLst/>
+          </a:prstGeom>
+        </p:spPr>
+        <p:style>
+          <a:lnRef idx="1">
+            <a:schemeClr val="accent2"/>
+          </a:lnRef>
+          <a:fillRef idx="3">
+            <a:schemeClr val="accent2"/>
+          </a:fillRef>
+          <a:effectRef idx="2">
+            <a:schemeClr val="accent2"/>
+          </a:effectRef>
+          <a:fontRef idx="minor">
+            <a:schemeClr val="lt1"/>
+          </a:fontRef>
+        </p:style>
+        <p:txBody>
+          <a:bodyPr rtlCol="0" anchor="ctr"/>
+          <a:lstStyle/>
+          <a:p>
+            <a:pPr algn="ctr"/>
+            <a:r>
+              <a:rPr lang="en-US"/>
+              <a:t>2</a:t>
+            </a:r>
+            <a:endParaRPr lang="en-US" smtClean="0"/>
+          </a:p>
+        </p:txBody>
+      </p:sp>
+      <p:sp>
+        <p:nvSpPr>
+          <p:cNvPr id="113" name="Oval 112"/>
+          <p:cNvSpPr/>
+          <p:nvPr/>
+        </p:nvSpPr>
+        <p:spPr>
+          <a:xfrm>
+            <a:off x="4777249" y="3810000"/>
+            <a:ext cx="317500" cy="317500"/>
+          </a:xfrm>
+          <a:prstGeom prst="ellipse">
+            <a:avLst/>
+          </a:prstGeom>
+        </p:spPr>
+        <p:style>
+          <a:lnRef idx="1">
+            <a:schemeClr val="accent2"/>
+          </a:lnRef>
+          <a:fillRef idx="3">
+            <a:schemeClr val="accent2"/>
+          </a:fillRef>
+          <a:effectRef idx="2">
+            <a:schemeClr val="accent2"/>
+          </a:effectRef>
+          <a:fontRef idx="minor">
+            <a:schemeClr val="lt1"/>
+          </a:fontRef>
+        </p:style>
+        <p:txBody>
+          <a:bodyPr rtlCol="0" anchor="ctr"/>
+          <a:lstStyle/>
+          <a:p>
+            <a:pPr algn="ctr"/>
+            <a:r>
+              <a:rPr lang="en-US" smtClean="0"/>
+              <a:t>1</a:t>
+            </a:r>
+          </a:p>
+        </p:txBody>
+      </p:sp>
+      <p:sp>
+        <p:nvSpPr>
+          <p:cNvPr id="114" name="Oval 113"/>
+          <p:cNvSpPr/>
+          <p:nvPr/>
+        </p:nvSpPr>
+        <p:spPr>
+          <a:xfrm>
+            <a:off x="4777249" y="5168900"/>
+            <a:ext cx="317500" cy="317500"/>
+          </a:xfrm>
+          <a:prstGeom prst="ellipse">
+            <a:avLst/>
+          </a:prstGeom>
+        </p:spPr>
+        <p:style>
+          <a:lnRef idx="1">
+            <a:schemeClr val="accent2"/>
+          </a:lnRef>
+          <a:fillRef idx="3">
+            <a:schemeClr val="accent2"/>
+          </a:fillRef>
+          <a:effectRef idx="2">
+            <a:schemeClr val="accent2"/>
+          </a:effectRef>
+          <a:fontRef idx="minor">
+            <a:schemeClr val="lt1"/>
+          </a:fontRef>
+        </p:style>
+        <p:txBody>
+          <a:bodyPr rtlCol="0" anchor="ctr"/>
+          <a:lstStyle/>
+          <a:p>
+            <a:pPr algn="ctr"/>
+            <a:r>
+              <a:rPr lang="en-US" smtClean="0"/>
+              <a:t>3</a:t>
+            </a:r>
+          </a:p>
+        </p:txBody>
+      </p:sp>
+      <p:sp>
+        <p:nvSpPr>
+          <p:cNvPr id="115" name="Oval 114"/>
+          <p:cNvSpPr/>
+          <p:nvPr/>
+        </p:nvSpPr>
+        <p:spPr>
+          <a:xfrm>
+            <a:off x="6174249" y="5168900"/>
+            <a:ext cx="317500" cy="317500"/>
+          </a:xfrm>
+          <a:prstGeom prst="ellipse">
+            <a:avLst/>
+          </a:prstGeom>
+        </p:spPr>
+        <p:style>
+          <a:lnRef idx="1">
+            <a:schemeClr val="accent3"/>
+          </a:lnRef>
+          <a:fillRef idx="3">
+            <a:schemeClr val="accent3"/>
+          </a:fillRef>
+          <a:effectRef idx="2">
+            <a:schemeClr val="accent3"/>
+          </a:effectRef>
+          <a:fontRef idx="minor">
+            <a:schemeClr val="lt1"/>
+          </a:fontRef>
+        </p:style>
+        <p:txBody>
+          <a:bodyPr rtlCol="0" anchor="ctr"/>
+          <a:lstStyle/>
+          <a:p>
+            <a:pPr algn="ctr"/>
+            <a:r>
+              <a:rPr lang="en-US"/>
+              <a:t>4</a:t>
+            </a:r>
+            <a:endParaRPr lang="en-US" smtClean="0"/>
+          </a:p>
+        </p:txBody>
+      </p:sp>
+      <p:sp>
+        <p:nvSpPr>
+          <p:cNvPr id="116" name="Rectangle 115"/>
+          <p:cNvSpPr/>
+          <p:nvPr/>
+        </p:nvSpPr>
+        <p:spPr>
+          <a:xfrm>
+            <a:off x="5221749" y="4508500"/>
+            <a:ext cx="812800" cy="266700"/>
+          </a:xfrm>
+          <a:prstGeom prst="rect">
+            <a:avLst/>
+          </a:prstGeom>
+        </p:spPr>
+        <p:style>
+          <a:lnRef idx="2">
+            <a:schemeClr val="accent6">
+              <a:shade val="50000"/>
+            </a:schemeClr>
+          </a:lnRef>
+          <a:fillRef idx="1">
+            <a:schemeClr val="accent6"/>
+          </a:fillRef>
+          <a:effectRef idx="0">
+            <a:schemeClr val="accent6"/>
+          </a:effectRef>
+          <a:fontRef idx="minor">
+            <a:schemeClr val="lt1"/>
+          </a:fontRef>
+        </p:style>
+        <p:txBody>
+          <a:bodyPr rtlCol="0" anchor="ctr"/>
+          <a:lstStyle/>
+          <a:p>
+            <a:pPr algn="ctr"/>
+            <a:r>
+              <a:rPr lang="en-US" smtClean="0"/>
+              <a:t>mq</a:t>
+            </a:r>
+            <a:endParaRPr lang="en-US"/>
+          </a:p>
+        </p:txBody>
+      </p:sp>
+      <p:cxnSp>
+        <p:nvCxnSpPr>
+          <p:cNvPr id="117" name="Straight Arrow Connector 116"/>
+          <p:cNvCxnSpPr>
+            <a:stCxn id="113" idx="5"/>
+          </p:cNvCxnSpPr>
+          <p:nvPr/>
+        </p:nvCxnSpPr>
+        <p:spPr>
+          <a:xfrm>
+            <a:off x="5048252" y="4081003"/>
+            <a:ext cx="173497" cy="427497"/>
+          </a:xfrm>
+          <a:prstGeom prst="straightConnector1">
+            <a:avLst/>
+          </a:prstGeom>
+          <a:ln>
+            <a:headEnd type="triangle"/>
+            <a:tailEnd type="triangle"/>
+          </a:ln>
+        </p:spPr>
+        <p:style>
+          <a:lnRef idx="1">
+            <a:schemeClr val="accent1"/>
+          </a:lnRef>
+          <a:fillRef idx="0">
+            <a:schemeClr val="accent1"/>
+          </a:fillRef>
+          <a:effectRef idx="0">
+            <a:schemeClr val="accent1"/>
+          </a:effectRef>
+          <a:fontRef idx="minor">
+            <a:schemeClr val="tx1"/>
+          </a:fontRef>
+        </p:style>
+      </p:cxnSp>
+      <p:cxnSp>
+        <p:nvCxnSpPr>
+          <p:cNvPr id="118" name="Straight Arrow Connector 117"/>
+          <p:cNvCxnSpPr>
+            <a:endCxn id="112" idx="3"/>
+          </p:cNvCxnSpPr>
+          <p:nvPr/>
+        </p:nvCxnSpPr>
+        <p:spPr>
+          <a:xfrm flipV="1">
+            <a:off x="6034549" y="4081003"/>
+            <a:ext cx="186197" cy="427497"/>
+          </a:xfrm>
+          <a:prstGeom prst="straightConnector1">
+            <a:avLst/>
+          </a:prstGeom>
+          <a:ln>
+            <a:headEnd type="triangle"/>
+            <a:tailEnd type="triangle"/>
+          </a:ln>
+        </p:spPr>
+        <p:style>
+          <a:lnRef idx="1">
+            <a:schemeClr val="accent1"/>
+          </a:lnRef>
+          <a:fillRef idx="0">
+            <a:schemeClr val="accent1"/>
+          </a:fillRef>
+          <a:effectRef idx="0">
+            <a:schemeClr val="accent1"/>
+          </a:effectRef>
+          <a:fontRef idx="minor">
+            <a:schemeClr val="tx1"/>
+          </a:fontRef>
+        </p:style>
+      </p:cxnSp>
+      <p:cxnSp>
+        <p:nvCxnSpPr>
+          <p:cNvPr id="119" name="Straight Arrow Connector 118"/>
+          <p:cNvCxnSpPr>
+            <a:stCxn id="114" idx="7"/>
+          </p:cNvCxnSpPr>
+          <p:nvPr/>
+        </p:nvCxnSpPr>
+        <p:spPr>
+          <a:xfrm flipV="1">
+            <a:off x="5048252" y="4775200"/>
+            <a:ext cx="173497" cy="440197"/>
+          </a:xfrm>
+          <a:prstGeom prst="straightConnector1">
+            <a:avLst/>
+          </a:prstGeom>
+          <a:ln>
+            <a:headEnd type="triangle"/>
+            <a:tailEnd type="triangle"/>
+          </a:ln>
+        </p:spPr>
+        <p:style>
+          <a:lnRef idx="1">
+            <a:schemeClr val="accent1"/>
+          </a:lnRef>
+          <a:fillRef idx="0">
+            <a:schemeClr val="accent1"/>
+          </a:fillRef>
+          <a:effectRef idx="0">
+            <a:schemeClr val="accent1"/>
+          </a:effectRef>
+          <a:fontRef idx="minor">
+            <a:schemeClr val="tx1"/>
+          </a:fontRef>
+        </p:style>
+      </p:cxnSp>
+      <p:cxnSp>
+        <p:nvCxnSpPr>
+          <p:cNvPr id="120" name="Straight Arrow Connector 119"/>
+          <p:cNvCxnSpPr>
+            <a:stCxn id="115" idx="1"/>
+          </p:cNvCxnSpPr>
+          <p:nvPr/>
+        </p:nvCxnSpPr>
+        <p:spPr>
+          <a:xfrm flipH="1" flipV="1">
+            <a:off x="6061996" y="4787900"/>
+            <a:ext cx="158750" cy="427497"/>
+          </a:xfrm>
+          <a:prstGeom prst="straightConnector1">
+            <a:avLst/>
+          </a:prstGeom>
+          <a:ln>
+            <a:headEnd type="triangle"/>
+            <a:tailEnd type="triangle"/>
+          </a:ln>
+        </p:spPr>
+        <p:style>
+          <a:lnRef idx="1">
+            <a:schemeClr val="accent3"/>
+          </a:lnRef>
+          <a:fillRef idx="0">
+            <a:schemeClr val="accent3"/>
+          </a:fillRef>
+          <a:effectRef idx="0">
+            <a:schemeClr val="accent3"/>
+          </a:effectRef>
+          <a:fontRef idx="minor">
+            <a:schemeClr val="tx1"/>
+          </a:fontRef>
+        </p:style>
+      </p:cxnSp>
+      <p:sp>
+        <p:nvSpPr>
+          <p:cNvPr id="121" name="Oval 120"/>
+          <p:cNvSpPr/>
+          <p:nvPr/>
+        </p:nvSpPr>
+        <p:spPr>
+          <a:xfrm>
+            <a:off x="6898149" y="4470400"/>
+            <a:ext cx="317500" cy="317500"/>
+          </a:xfrm>
+          <a:prstGeom prst="ellipse">
+            <a:avLst/>
+          </a:prstGeom>
+        </p:spPr>
+        <p:style>
+          <a:lnRef idx="2">
+            <a:schemeClr val="accent6">
+              <a:shade val="50000"/>
+            </a:schemeClr>
+          </a:lnRef>
+          <a:fillRef idx="1">
+            <a:schemeClr val="accent6"/>
+          </a:fillRef>
+          <a:effectRef idx="0">
+            <a:schemeClr val="accent6"/>
+          </a:effectRef>
+          <a:fontRef idx="minor">
+            <a:schemeClr val="lt1"/>
+          </a:fontRef>
+        </p:style>
+        <p:txBody>
+          <a:bodyPr rtlCol="0" anchor="ctr"/>
+          <a:lstStyle/>
+          <a:p>
+            <a:pPr algn="ctr"/>
+            <a:r>
+              <a:rPr lang="en-US" smtClean="0"/>
+              <a:t>5</a:t>
+            </a:r>
+          </a:p>
+        </p:txBody>
+      </p:sp>
+      <p:cxnSp>
+        <p:nvCxnSpPr>
+          <p:cNvPr id="122" name="Straight Arrow Connector 121"/>
+          <p:cNvCxnSpPr>
+            <a:stCxn id="116" idx="3"/>
+            <a:endCxn id="121" idx="2"/>
+          </p:cNvCxnSpPr>
+          <p:nvPr/>
+        </p:nvCxnSpPr>
+        <p:spPr>
+          <a:xfrm flipV="1">
+            <a:off x="6034549" y="4629150"/>
+            <a:ext cx="863600" cy="12700"/>
+          </a:xfrm>
+          <a:prstGeom prst="straightConnector1">
+            <a:avLst/>
+          </a:prstGeom>
+          <a:ln>
+            <a:headEnd type="triangle"/>
+            <a:tailEnd type="triangle"/>
+          </a:ln>
+        </p:spPr>
+        <p:style>
+          <a:lnRef idx="1">
+            <a:schemeClr val="accent6"/>
+          </a:lnRef>
+          <a:fillRef idx="0">
+            <a:schemeClr val="accent6"/>
+          </a:fillRef>
+          <a:effectRef idx="0">
+            <a:schemeClr val="accent6"/>
+          </a:effectRef>
+          <a:fontRef idx="minor">
+            <a:schemeClr val="tx1"/>
+          </a:fontRef>
+        </p:style>
+      </p:cxnSp>
+    </p:spTree>
+    <p:extLst>
+      <p:ext uri="{BB962C8B-B14F-4D97-AF65-F5344CB8AC3E}">
+        <p14:creationId xmlns:p14="http://schemas.microsoft.com/office/powerpoint/2010/main" val="689047286"/>
+      </p:ext>
+    </p:extLst>
+  </p:cSld>
+  <p:clrMapOvr>
+    <a:masterClrMapping/>
+  </p:clrMapOvr>
+</p:sld>
+</file>
+
 <file path=ppt/theme/theme1.xml><?xml version="1.0" encoding="utf-8"?>
 <a:theme xmlns:a="http://schemas.openxmlformats.org/drawingml/2006/main" name="Office Theme">
   <a:themeElements>
